--- a/Pr02/diagrama2.pptx
+++ b/Pr02/diagrama2.pptx
@@ -104,6 +104,11 @@
       </a:defRPr>
     </a:lvl9pPr>
   </p:defaultTextStyle>
+  <p:extLst>
+    <p:ext uri="{EFAFB233-063F-42B5-8137-9DF3F51BA10A}">
+      <p15:sldGuideLst xmlns:p15="http://schemas.microsoft.com/office/powerpoint/2012/main"/>
+    </p:ext>
+  </p:extLst>
 </p:presentation>
 </file>
 
@@ -254,7 +259,7 @@
           <a:p>
             <a:fld id="{EB4C916F-A333-4F40-ADDC-160019D346EC}" type="datetimeFigureOut">
               <a:rPr lang="es-ES" smtClean="0"/>
-              <a:t>03/03/2019</a:t>
+              <a:t>06/03/2019</a:t>
             </a:fld>
             <a:endParaRPr lang="es-ES"/>
           </a:p>
@@ -452,7 +457,7 @@
           <a:p>
             <a:fld id="{EB4C916F-A333-4F40-ADDC-160019D346EC}" type="datetimeFigureOut">
               <a:rPr lang="es-ES" smtClean="0"/>
-              <a:t>03/03/2019</a:t>
+              <a:t>06/03/2019</a:t>
             </a:fld>
             <a:endParaRPr lang="es-ES"/>
           </a:p>
@@ -660,7 +665,7 @@
           <a:p>
             <a:fld id="{EB4C916F-A333-4F40-ADDC-160019D346EC}" type="datetimeFigureOut">
               <a:rPr lang="es-ES" smtClean="0"/>
-              <a:t>03/03/2019</a:t>
+              <a:t>06/03/2019</a:t>
             </a:fld>
             <a:endParaRPr lang="es-ES"/>
           </a:p>
@@ -858,7 +863,7 @@
           <a:p>
             <a:fld id="{EB4C916F-A333-4F40-ADDC-160019D346EC}" type="datetimeFigureOut">
               <a:rPr lang="es-ES" smtClean="0"/>
-              <a:t>03/03/2019</a:t>
+              <a:t>06/03/2019</a:t>
             </a:fld>
             <a:endParaRPr lang="es-ES"/>
           </a:p>
@@ -1133,7 +1138,7 @@
           <a:p>
             <a:fld id="{EB4C916F-A333-4F40-ADDC-160019D346EC}" type="datetimeFigureOut">
               <a:rPr lang="es-ES" smtClean="0"/>
-              <a:t>03/03/2019</a:t>
+              <a:t>06/03/2019</a:t>
             </a:fld>
             <a:endParaRPr lang="es-ES"/>
           </a:p>
@@ -1398,7 +1403,7 @@
           <a:p>
             <a:fld id="{EB4C916F-A333-4F40-ADDC-160019D346EC}" type="datetimeFigureOut">
               <a:rPr lang="es-ES" smtClean="0"/>
-              <a:t>03/03/2019</a:t>
+              <a:t>06/03/2019</a:t>
             </a:fld>
             <a:endParaRPr lang="es-ES"/>
           </a:p>
@@ -1810,7 +1815,7 @@
           <a:p>
             <a:fld id="{EB4C916F-A333-4F40-ADDC-160019D346EC}" type="datetimeFigureOut">
               <a:rPr lang="es-ES" smtClean="0"/>
-              <a:t>03/03/2019</a:t>
+              <a:t>06/03/2019</a:t>
             </a:fld>
             <a:endParaRPr lang="es-ES"/>
           </a:p>
@@ -1951,7 +1956,7 @@
           <a:p>
             <a:fld id="{EB4C916F-A333-4F40-ADDC-160019D346EC}" type="datetimeFigureOut">
               <a:rPr lang="es-ES" smtClean="0"/>
-              <a:t>03/03/2019</a:t>
+              <a:t>06/03/2019</a:t>
             </a:fld>
             <a:endParaRPr lang="es-ES"/>
           </a:p>
@@ -2064,7 +2069,7 @@
           <a:p>
             <a:fld id="{EB4C916F-A333-4F40-ADDC-160019D346EC}" type="datetimeFigureOut">
               <a:rPr lang="es-ES" smtClean="0"/>
-              <a:t>03/03/2019</a:t>
+              <a:t>06/03/2019</a:t>
             </a:fld>
             <a:endParaRPr lang="es-ES"/>
           </a:p>
@@ -2375,7 +2380,7 @@
           <a:p>
             <a:fld id="{EB4C916F-A333-4F40-ADDC-160019D346EC}" type="datetimeFigureOut">
               <a:rPr lang="es-ES" smtClean="0"/>
-              <a:t>03/03/2019</a:t>
+              <a:t>06/03/2019</a:t>
             </a:fld>
             <a:endParaRPr lang="es-ES"/>
           </a:p>
@@ -2663,7 +2668,7 @@
           <a:p>
             <a:fld id="{EB4C916F-A333-4F40-ADDC-160019D346EC}" type="datetimeFigureOut">
               <a:rPr lang="es-ES" smtClean="0"/>
-              <a:t>03/03/2019</a:t>
+              <a:t>06/03/2019</a:t>
             </a:fld>
             <a:endParaRPr lang="es-ES"/>
           </a:p>
@@ -2904,7 +2909,7 @@
           <a:p>
             <a:fld id="{EB4C916F-A333-4F40-ADDC-160019D346EC}" type="datetimeFigureOut">
               <a:rPr lang="es-ES" smtClean="0"/>
-              <a:t>03/03/2019</a:t>
+              <a:t>06/03/2019</a:t>
             </a:fld>
             <a:endParaRPr lang="es-ES"/>
           </a:p>
@@ -3743,10 +3748,10 @@
       </p:cxnSp>
       <p:sp>
         <p:nvSpPr>
-          <p:cNvPr id="61" name="Diagrama de flujo: conector 60">
-            <a:extLst>
-              <a:ext uri="{FF2B5EF4-FFF2-40B4-BE49-F238E27FC236}">
-                <a16:creationId xmlns:a16="http://schemas.microsoft.com/office/drawing/2014/main" id="{79D1E1A8-C36D-42F1-BF7E-76B58F6E8DF8}"/>
+          <p:cNvPr id="62" name="Diagrama de flujo: conector 61">
+            <a:extLst>
+              <a:ext uri="{FF2B5EF4-FFF2-40B4-BE49-F238E27FC236}">
+                <a16:creationId xmlns:a16="http://schemas.microsoft.com/office/drawing/2014/main" id="{4D0DEB75-622C-459A-965E-A087BE87D1CC}"/>
               </a:ext>
             </a:extLst>
           </p:cNvPr>
@@ -3755,71 +3760,7 @@
         </p:nvSpPr>
         <p:spPr>
           <a:xfrm>
-            <a:off x="3419429" y="693451"/>
-            <a:ext cx="432000" cy="432000"/>
-          </a:xfrm>
-          <a:prstGeom prst="flowChartConnector">
-            <a:avLst/>
-          </a:prstGeom>
-        </p:spPr>
-        <p:style>
-          <a:lnRef idx="2">
-            <a:schemeClr val="dk1"/>
-          </a:lnRef>
-          <a:fillRef idx="1">
-            <a:schemeClr val="lt1"/>
-          </a:fillRef>
-          <a:effectRef idx="0">
-            <a:schemeClr val="dk1"/>
-          </a:effectRef>
-          <a:fontRef idx="minor">
-            <a:schemeClr val="dk1"/>
-          </a:fontRef>
-        </p:style>
-        <p:txBody>
-          <a:bodyPr rtlCol="0" anchor="ctr"/>
-          <a:lstStyle/>
-          <a:p>
-            <a:pPr algn="ctr"/>
-            <a:r>
-              <a:rPr lang="es-ES" sz="1600" dirty="0">
-                <a:solidFill>
-                  <a:schemeClr val="accent1">
-                    <a:lumMod val="50000"/>
-                  </a:schemeClr>
-                </a:solidFill>
-                <a:latin typeface="Times New Roman" panose="02020603050405020304" pitchFamily="18" charset="0"/>
-                <a:cs typeface="Times New Roman" panose="02020603050405020304" pitchFamily="18" charset="0"/>
-              </a:rPr>
-              <a:t>+</a:t>
-            </a:r>
-            <a:endParaRPr lang="es-ES" sz="1200" dirty="0">
-              <a:solidFill>
-                <a:schemeClr val="accent1">
-                  <a:lumMod val="50000"/>
-                </a:schemeClr>
-              </a:solidFill>
-              <a:latin typeface="Times New Roman" panose="02020603050405020304" pitchFamily="18" charset="0"/>
-              <a:cs typeface="Times New Roman" panose="02020603050405020304" pitchFamily="18" charset="0"/>
-            </a:endParaRPr>
-          </a:p>
-        </p:txBody>
-      </p:sp>
-      <p:sp>
-        <p:nvSpPr>
-          <p:cNvPr id="62" name="Diagrama de flujo: conector 61">
-            <a:extLst>
-              <a:ext uri="{FF2B5EF4-FFF2-40B4-BE49-F238E27FC236}">
-                <a16:creationId xmlns:a16="http://schemas.microsoft.com/office/drawing/2014/main" id="{4D0DEB75-622C-459A-965E-A087BE87D1CC}"/>
-              </a:ext>
-            </a:extLst>
-          </p:cNvPr>
-          <p:cNvSpPr/>
-          <p:nvPr/>
-        </p:nvSpPr>
-        <p:spPr>
-          <a:xfrm>
-            <a:off x="3419429" y="1136718"/>
+            <a:off x="3419429" y="941402"/>
             <a:ext cx="432000" cy="432000"/>
           </a:xfrm>
           <a:prstGeom prst="flowChartConnector">
@@ -3871,50 +3812,6 @@
       </p:sp>
       <p:cxnSp>
         <p:nvCxnSpPr>
-          <p:cNvPr id="64" name="Conector: angular 63">
-            <a:extLst>
-              <a:ext uri="{FF2B5EF4-FFF2-40B4-BE49-F238E27FC236}">
-                <a16:creationId xmlns:a16="http://schemas.microsoft.com/office/drawing/2014/main" id="{12AA67E4-A46F-482B-AFB9-355A69E96F27}"/>
-              </a:ext>
-            </a:extLst>
-          </p:cNvPr>
-          <p:cNvCxnSpPr>
-            <a:stCxn id="5" idx="6"/>
-            <a:endCxn id="61" idx="2"/>
-          </p:cNvCxnSpPr>
-          <p:nvPr/>
-        </p:nvCxnSpPr>
-        <p:spPr>
-          <a:xfrm flipV="1">
-            <a:off x="2238685" y="909451"/>
-            <a:ext cx="1180744" cy="497374"/>
-          </a:xfrm>
-          <a:prstGeom prst="bentConnector3">
-            <a:avLst>
-              <a:gd name="adj1" fmla="val 42481"/>
-            </a:avLst>
-          </a:prstGeom>
-          <a:ln>
-            <a:tailEnd type="triangle"/>
-          </a:ln>
-        </p:spPr>
-        <p:style>
-          <a:lnRef idx="1">
-            <a:schemeClr val="dk1"/>
-          </a:lnRef>
-          <a:fillRef idx="0">
-            <a:schemeClr val="dk1"/>
-          </a:fillRef>
-          <a:effectRef idx="0">
-            <a:schemeClr val="dk1"/>
-          </a:effectRef>
-          <a:fontRef idx="minor">
-            <a:schemeClr val="tx1"/>
-          </a:fontRef>
-        </p:style>
-      </p:cxnSp>
-      <p:cxnSp>
-        <p:nvCxnSpPr>
           <p:cNvPr id="67" name="Conector: angular 66">
             <a:extLst>
               <a:ext uri="{FF2B5EF4-FFF2-40B4-BE49-F238E27FC236}">
@@ -3930,8 +3827,8 @@
         </p:nvCxnSpPr>
         <p:spPr>
           <a:xfrm flipV="1">
-            <a:off x="2238685" y="1352718"/>
-            <a:ext cx="1180744" cy="54107"/>
+            <a:off x="2238685" y="1157402"/>
+            <a:ext cx="1180744" cy="249423"/>
           </a:xfrm>
           <a:prstGeom prst="bentConnector3">
             <a:avLst>
@@ -4023,49 +3920,6 @@
       </p:sp>
       <p:cxnSp>
         <p:nvCxnSpPr>
-          <p:cNvPr id="72" name="Conector: angular 71">
-            <a:extLst>
-              <a:ext uri="{FF2B5EF4-FFF2-40B4-BE49-F238E27FC236}">
-                <a16:creationId xmlns:a16="http://schemas.microsoft.com/office/drawing/2014/main" id="{C82603EB-78AF-478B-8674-45C39F2EFCFB}"/>
-              </a:ext>
-            </a:extLst>
-          </p:cNvPr>
-          <p:cNvCxnSpPr>
-            <a:cxnSpLocks/>
-            <a:stCxn id="61" idx="6"/>
-            <a:endCxn id="70" idx="1"/>
-          </p:cNvCxnSpPr>
-          <p:nvPr/>
-        </p:nvCxnSpPr>
-        <p:spPr>
-          <a:xfrm>
-            <a:off x="3851429" y="909451"/>
-            <a:ext cx="1076765" cy="531130"/>
-          </a:xfrm>
-          <a:prstGeom prst="bentConnector3">
-            <a:avLst/>
-          </a:prstGeom>
-          <a:ln>
-            <a:tailEnd type="triangle"/>
-          </a:ln>
-        </p:spPr>
-        <p:style>
-          <a:lnRef idx="1">
-            <a:schemeClr val="dk1"/>
-          </a:lnRef>
-          <a:fillRef idx="0">
-            <a:schemeClr val="dk1"/>
-          </a:fillRef>
-          <a:effectRef idx="0">
-            <a:schemeClr val="dk1"/>
-          </a:effectRef>
-          <a:fontRef idx="minor">
-            <a:schemeClr val="tx1"/>
-          </a:fontRef>
-        </p:style>
-      </p:cxnSp>
-      <p:cxnSp>
-        <p:nvCxnSpPr>
           <p:cNvPr id="75" name="Conector: angular 74">
             <a:extLst>
               <a:ext uri="{FF2B5EF4-FFF2-40B4-BE49-F238E27FC236}">
@@ -4081,8 +3935,8 @@
         </p:nvCxnSpPr>
         <p:spPr>
           <a:xfrm>
-            <a:off x="3851429" y="1352718"/>
-            <a:ext cx="1076765" cy="87863"/>
+            <a:off x="3851429" y="1157402"/>
+            <a:ext cx="1076765" cy="283179"/>
           </a:xfrm>
           <a:prstGeom prst="bentConnector3">
             <a:avLst/>
@@ -5146,10 +5000,10 @@
       </p:cxnSp>
       <p:sp>
         <p:nvSpPr>
-          <p:cNvPr id="116" name="Diagrama de flujo: conector 115">
-            <a:extLst>
-              <a:ext uri="{FF2B5EF4-FFF2-40B4-BE49-F238E27FC236}">
-                <a16:creationId xmlns:a16="http://schemas.microsoft.com/office/drawing/2014/main" id="{5E9459A9-D476-472E-A357-723281D769F5}"/>
+          <p:cNvPr id="118" name="Diagrama de flujo: conector 117">
+            <a:extLst>
+              <a:ext uri="{FF2B5EF4-FFF2-40B4-BE49-F238E27FC236}">
+                <a16:creationId xmlns:a16="http://schemas.microsoft.com/office/drawing/2014/main" id="{E1324D31-C4CE-4726-8636-7D40E6216EE4}"/>
               </a:ext>
             </a:extLst>
           </p:cNvPr>
@@ -5158,8 +5012,8 @@
         </p:nvSpPr>
         <p:spPr>
           <a:xfrm>
-            <a:off x="1820225" y="5606240"/>
-            <a:ext cx="432000" cy="432000"/>
+            <a:off x="1622225" y="5606240"/>
+            <a:ext cx="936000" cy="936000"/>
           </a:xfrm>
           <a:prstGeom prst="flowChartConnector">
             <a:avLst/>
@@ -5185,7 +5039,7 @@
           <a:p>
             <a:pPr algn="ctr"/>
             <a:r>
-              <a:rPr lang="es-ES" sz="1600" dirty="0">
+              <a:rPr lang="es-ES" sz="1100" dirty="0">
                 <a:solidFill>
                   <a:schemeClr val="accent1">
                     <a:lumMod val="50000"/>
@@ -5194,7 +5048,7 @@
                 <a:latin typeface="Times New Roman" panose="02020603050405020304" pitchFamily="18" charset="0"/>
                 <a:cs typeface="Times New Roman" panose="02020603050405020304" pitchFamily="18" charset="0"/>
               </a:rPr>
-              <a:t>+</a:t>
+              <a:t>Numero</a:t>
             </a:r>
             <a:endParaRPr lang="es-ES" sz="1200" dirty="0">
               <a:solidFill>
@@ -5210,125 +5064,6 @@
       </p:sp>
       <p:sp>
         <p:nvSpPr>
-          <p:cNvPr id="117" name="Diagrama de flujo: conector 116">
-            <a:extLst>
-              <a:ext uri="{FF2B5EF4-FFF2-40B4-BE49-F238E27FC236}">
-                <a16:creationId xmlns:a16="http://schemas.microsoft.com/office/drawing/2014/main" id="{58F8F1C4-DAE8-460E-87EC-7BD7ADE4BDC2}"/>
-              </a:ext>
-            </a:extLst>
-          </p:cNvPr>
-          <p:cNvSpPr/>
-          <p:nvPr/>
-        </p:nvSpPr>
-        <p:spPr>
-          <a:xfrm>
-            <a:off x="1820225" y="6131190"/>
-            <a:ext cx="432000" cy="432000"/>
-          </a:xfrm>
-          <a:prstGeom prst="flowChartConnector">
-            <a:avLst/>
-          </a:prstGeom>
-        </p:spPr>
-        <p:style>
-          <a:lnRef idx="2">
-            <a:schemeClr val="dk1"/>
-          </a:lnRef>
-          <a:fillRef idx="1">
-            <a:schemeClr val="lt1"/>
-          </a:fillRef>
-          <a:effectRef idx="0">
-            <a:schemeClr val="dk1"/>
-          </a:effectRef>
-          <a:fontRef idx="minor">
-            <a:schemeClr val="dk1"/>
-          </a:fontRef>
-        </p:style>
-        <p:txBody>
-          <a:bodyPr rtlCol="0" anchor="ctr"/>
-          <a:lstStyle/>
-          <a:p>
-            <a:pPr algn="ctr"/>
-            <a:r>
-              <a:rPr lang="es-ES" sz="1600" dirty="0">
-                <a:solidFill>
-                  <a:schemeClr val="accent1">
-                    <a:lumMod val="50000"/>
-                  </a:schemeClr>
-                </a:solidFill>
-                <a:latin typeface="Times New Roman" panose="02020603050405020304" pitchFamily="18" charset="0"/>
-                <a:cs typeface="Times New Roman" panose="02020603050405020304" pitchFamily="18" charset="0"/>
-              </a:rPr>
-              <a:t>-</a:t>
-            </a:r>
-            <a:endParaRPr lang="es-ES" sz="1200" dirty="0">
-              <a:solidFill>
-                <a:schemeClr val="accent1">
-                  <a:lumMod val="50000"/>
-                </a:schemeClr>
-              </a:solidFill>
-              <a:latin typeface="Times New Roman" panose="02020603050405020304" pitchFamily="18" charset="0"/>
-              <a:cs typeface="Times New Roman" panose="02020603050405020304" pitchFamily="18" charset="0"/>
-            </a:endParaRPr>
-          </a:p>
-        </p:txBody>
-      </p:sp>
-      <p:sp>
-        <p:nvSpPr>
-          <p:cNvPr id="118" name="Diagrama de flujo: conector 117">
-            <a:extLst>
-              <a:ext uri="{FF2B5EF4-FFF2-40B4-BE49-F238E27FC236}">
-                <a16:creationId xmlns:a16="http://schemas.microsoft.com/office/drawing/2014/main" id="{E1324D31-C4CE-4726-8636-7D40E6216EE4}"/>
-              </a:ext>
-            </a:extLst>
-          </p:cNvPr>
-          <p:cNvSpPr/>
-          <p:nvPr/>
-        </p:nvSpPr>
-        <p:spPr>
-          <a:xfrm>
-            <a:off x="3224764" y="5696240"/>
-            <a:ext cx="684000" cy="684000"/>
-          </a:xfrm>
-          <a:prstGeom prst="flowChartConnector">
-            <a:avLst/>
-          </a:prstGeom>
-        </p:spPr>
-        <p:style>
-          <a:lnRef idx="2">
-            <a:schemeClr val="dk1"/>
-          </a:lnRef>
-          <a:fillRef idx="1">
-            <a:schemeClr val="lt1"/>
-          </a:fillRef>
-          <a:effectRef idx="0">
-            <a:schemeClr val="dk1"/>
-          </a:effectRef>
-          <a:fontRef idx="minor">
-            <a:schemeClr val="dk1"/>
-          </a:fontRef>
-        </p:style>
-        <p:txBody>
-          <a:bodyPr rtlCol="0" anchor="ctr"/>
-          <a:lstStyle/>
-          <a:p>
-            <a:pPr algn="ctr"/>
-            <a:r>
-              <a:rPr lang="es-ES" sz="1200" dirty="0">
-                <a:solidFill>
-                  <a:schemeClr val="accent1">
-                    <a:lumMod val="50000"/>
-                  </a:schemeClr>
-                </a:solidFill>
-                <a:latin typeface="Times New Roman" panose="02020603050405020304" pitchFamily="18" charset="0"/>
-                <a:cs typeface="Times New Roman" panose="02020603050405020304" pitchFamily="18" charset="0"/>
-              </a:rPr>
-              <a:t>Real</a:t>
-            </a:r>
-          </a:p>
-        </p:txBody>
-      </p:sp>
-      <p:sp>
-        <p:nvSpPr>
           <p:cNvPr id="119" name="Diagrama de flujo: conector 118">
             <a:extLst>
               <a:ext uri="{FF2B5EF4-FFF2-40B4-BE49-F238E27FC236}">
@@ -5375,223 +5110,6 @@
       </p:sp>
       <p:cxnSp>
         <p:nvCxnSpPr>
-          <p:cNvPr id="124" name="Conector: angular 123">
-            <a:extLst>
-              <a:ext uri="{FF2B5EF4-FFF2-40B4-BE49-F238E27FC236}">
-                <a16:creationId xmlns:a16="http://schemas.microsoft.com/office/drawing/2014/main" id="{BC1B6629-D89E-4C6F-BDB2-932792498DD6}"/>
-              </a:ext>
-            </a:extLst>
-          </p:cNvPr>
-          <p:cNvCxnSpPr>
-            <a:stCxn id="105" idx="6"/>
-            <a:endCxn id="116" idx="2"/>
-          </p:cNvCxnSpPr>
-          <p:nvPr/>
-        </p:nvCxnSpPr>
-        <p:spPr>
-          <a:xfrm>
-            <a:off x="777805" y="4908924"/>
-            <a:ext cx="1042420" cy="913316"/>
-          </a:xfrm>
-          <a:prstGeom prst="bentConnector3">
-            <a:avLst>
-              <a:gd name="adj1" fmla="val 45742"/>
-            </a:avLst>
-          </a:prstGeom>
-          <a:ln>
-            <a:tailEnd type="triangle"/>
-          </a:ln>
-        </p:spPr>
-        <p:style>
-          <a:lnRef idx="1">
-            <a:schemeClr val="dk1"/>
-          </a:lnRef>
-          <a:fillRef idx="0">
-            <a:schemeClr val="dk1"/>
-          </a:fillRef>
-          <a:effectRef idx="0">
-            <a:schemeClr val="dk1"/>
-          </a:effectRef>
-          <a:fontRef idx="minor">
-            <a:schemeClr val="tx1"/>
-          </a:fontRef>
-        </p:style>
-      </p:cxnSp>
-      <p:cxnSp>
-        <p:nvCxnSpPr>
-          <p:cNvPr id="127" name="Conector: angular 126">
-            <a:extLst>
-              <a:ext uri="{FF2B5EF4-FFF2-40B4-BE49-F238E27FC236}">
-                <a16:creationId xmlns:a16="http://schemas.microsoft.com/office/drawing/2014/main" id="{45C166ED-BCBD-4B57-A761-7A1F3FEC34EC}"/>
-              </a:ext>
-            </a:extLst>
-          </p:cNvPr>
-          <p:cNvCxnSpPr>
-            <a:stCxn id="105" idx="6"/>
-            <a:endCxn id="117" idx="2"/>
-          </p:cNvCxnSpPr>
-          <p:nvPr/>
-        </p:nvCxnSpPr>
-        <p:spPr>
-          <a:xfrm>
-            <a:off x="777805" y="4908924"/>
-            <a:ext cx="1042420" cy="1438266"/>
-          </a:xfrm>
-          <a:prstGeom prst="bentConnector3">
-            <a:avLst>
-              <a:gd name="adj1" fmla="val 45742"/>
-            </a:avLst>
-          </a:prstGeom>
-          <a:ln>
-            <a:tailEnd type="triangle"/>
-          </a:ln>
-        </p:spPr>
-        <p:style>
-          <a:lnRef idx="1">
-            <a:schemeClr val="dk1"/>
-          </a:lnRef>
-          <a:fillRef idx="0">
-            <a:schemeClr val="dk1"/>
-          </a:fillRef>
-          <a:effectRef idx="0">
-            <a:schemeClr val="dk1"/>
-          </a:effectRef>
-          <a:fontRef idx="minor">
-            <a:schemeClr val="tx1"/>
-          </a:fontRef>
-        </p:style>
-      </p:cxnSp>
-      <p:cxnSp>
-        <p:nvCxnSpPr>
-          <p:cNvPr id="130" name="Conector: angular 129">
-            <a:extLst>
-              <a:ext uri="{FF2B5EF4-FFF2-40B4-BE49-F238E27FC236}">
-                <a16:creationId xmlns:a16="http://schemas.microsoft.com/office/drawing/2014/main" id="{CA6A9088-5D19-43A6-9547-DDC64A808337}"/>
-              </a:ext>
-            </a:extLst>
-          </p:cNvPr>
-          <p:cNvCxnSpPr>
-            <a:stCxn id="105" idx="6"/>
-            <a:endCxn id="118" idx="4"/>
-          </p:cNvCxnSpPr>
-          <p:nvPr/>
-        </p:nvCxnSpPr>
-        <p:spPr>
-          <a:xfrm>
-            <a:off x="777805" y="4908924"/>
-            <a:ext cx="2788959" cy="1471316"/>
-          </a:xfrm>
-          <a:prstGeom prst="bentConnector4">
-            <a:avLst>
-              <a:gd name="adj1" fmla="val 16812"/>
-              <a:gd name="adj2" fmla="val 124588"/>
-            </a:avLst>
-          </a:prstGeom>
-          <a:ln>
-            <a:tailEnd type="triangle"/>
-          </a:ln>
-        </p:spPr>
-        <p:style>
-          <a:lnRef idx="1">
-            <a:schemeClr val="dk1"/>
-          </a:lnRef>
-          <a:fillRef idx="0">
-            <a:schemeClr val="dk1"/>
-          </a:fillRef>
-          <a:effectRef idx="0">
-            <a:schemeClr val="dk1"/>
-          </a:effectRef>
-          <a:fontRef idx="minor">
-            <a:schemeClr val="tx1"/>
-          </a:fontRef>
-        </p:style>
-      </p:cxnSp>
-      <p:cxnSp>
-        <p:nvCxnSpPr>
-          <p:cNvPr id="134" name="Conector: angular 133">
-            <a:extLst>
-              <a:ext uri="{FF2B5EF4-FFF2-40B4-BE49-F238E27FC236}">
-                <a16:creationId xmlns:a16="http://schemas.microsoft.com/office/drawing/2014/main" id="{3E81764E-4B49-452F-A494-256B23F7A6AD}"/>
-              </a:ext>
-            </a:extLst>
-          </p:cNvPr>
-          <p:cNvCxnSpPr>
-            <a:stCxn id="116" idx="6"/>
-            <a:endCxn id="118" idx="2"/>
-          </p:cNvCxnSpPr>
-          <p:nvPr/>
-        </p:nvCxnSpPr>
-        <p:spPr>
-          <a:xfrm>
-            <a:off x="2252225" y="5822240"/>
-            <a:ext cx="972539" cy="216000"/>
-          </a:xfrm>
-          <a:prstGeom prst="bentConnector3">
-            <a:avLst/>
-          </a:prstGeom>
-          <a:ln>
-            <a:tailEnd type="triangle"/>
-          </a:ln>
-        </p:spPr>
-        <p:style>
-          <a:lnRef idx="1">
-            <a:schemeClr val="dk1"/>
-          </a:lnRef>
-          <a:fillRef idx="0">
-            <a:schemeClr val="dk1"/>
-          </a:fillRef>
-          <a:effectRef idx="0">
-            <a:schemeClr val="dk1"/>
-          </a:effectRef>
-          <a:fontRef idx="minor">
-            <a:schemeClr val="tx1"/>
-          </a:fontRef>
-        </p:style>
-      </p:cxnSp>
-      <p:cxnSp>
-        <p:nvCxnSpPr>
-          <p:cNvPr id="136" name="Conector: angular 135">
-            <a:extLst>
-              <a:ext uri="{FF2B5EF4-FFF2-40B4-BE49-F238E27FC236}">
-                <a16:creationId xmlns:a16="http://schemas.microsoft.com/office/drawing/2014/main" id="{A4F8EC77-AABF-48AC-87F5-946893330829}"/>
-              </a:ext>
-            </a:extLst>
-          </p:cNvPr>
-          <p:cNvCxnSpPr>
-            <a:stCxn id="117" idx="6"/>
-            <a:endCxn id="118" idx="2"/>
-          </p:cNvCxnSpPr>
-          <p:nvPr/>
-        </p:nvCxnSpPr>
-        <p:spPr>
-          <a:xfrm flipV="1">
-            <a:off x="2252225" y="6038240"/>
-            <a:ext cx="972539" cy="308950"/>
-          </a:xfrm>
-          <a:prstGeom prst="bentConnector3">
-            <a:avLst/>
-          </a:prstGeom>
-          <a:ln>
-            <a:tailEnd type="triangle"/>
-          </a:ln>
-        </p:spPr>
-        <p:style>
-          <a:lnRef idx="1">
-            <a:schemeClr val="dk1"/>
-          </a:lnRef>
-          <a:fillRef idx="0">
-            <a:schemeClr val="dk1"/>
-          </a:fillRef>
-          <a:effectRef idx="0">
-            <a:schemeClr val="dk1"/>
-          </a:effectRef>
-          <a:fontRef idx="minor">
-            <a:schemeClr val="tx1"/>
-          </a:fontRef>
-        </p:style>
-      </p:cxnSp>
-      <p:cxnSp>
-        <p:nvCxnSpPr>
           <p:cNvPr id="138" name="Conector: angular 137">
             <a:extLst>
               <a:ext uri="{FF2B5EF4-FFF2-40B4-BE49-F238E27FC236}">
@@ -5607,12 +5125,12 @@
         </p:nvCxnSpPr>
         <p:spPr>
           <a:xfrm flipV="1">
-            <a:off x="3908764" y="5066478"/>
-            <a:ext cx="1556477" cy="971762"/>
+            <a:off x="2558225" y="5066478"/>
+            <a:ext cx="2907016" cy="1007762"/>
           </a:xfrm>
           <a:prstGeom prst="bentConnector3">
             <a:avLst>
-              <a:gd name="adj1" fmla="val 50000"/>
+              <a:gd name="adj1" fmla="val 73209"/>
             </a:avLst>
           </a:prstGeom>
           <a:ln>
@@ -6229,7 +5747,7 @@
         </p:nvSpPr>
         <p:spPr>
           <a:xfrm>
-            <a:off x="3360828" y="1576847"/>
+            <a:off x="3369706" y="1372653"/>
             <a:ext cx="540000" cy="540000"/>
           </a:xfrm>
           <a:prstGeom prst="flowChartConnector">
@@ -6297,11 +5815,11 @@
         <p:spPr>
           <a:xfrm>
             <a:off x="2238685" y="1406825"/>
-            <a:ext cx="1122143" cy="440022"/>
+            <a:ext cx="1131021" cy="235828"/>
           </a:xfrm>
           <a:prstGeom prst="bentConnector3">
             <a:avLst>
-              <a:gd name="adj1" fmla="val 44462"/>
+              <a:gd name="adj1" fmla="val 43721"/>
             </a:avLst>
           </a:prstGeom>
           <a:ln>
@@ -6340,12 +5858,56 @@
         </p:nvCxnSpPr>
         <p:spPr>
           <a:xfrm flipV="1">
-            <a:off x="3900828" y="1440581"/>
-            <a:ext cx="1027366" cy="406266"/>
+            <a:off x="3909706" y="1440581"/>
+            <a:ext cx="1018488" cy="202072"/>
           </a:xfrm>
           <a:prstGeom prst="bentConnector3">
             <a:avLst>
-              <a:gd name="adj1" fmla="val 48272"/>
+              <a:gd name="adj1" fmla="val 48257"/>
+            </a:avLst>
+          </a:prstGeom>
+          <a:ln>
+            <a:tailEnd type="triangle"/>
+          </a:ln>
+        </p:spPr>
+        <p:style>
+          <a:lnRef idx="1">
+            <a:schemeClr val="dk1"/>
+          </a:lnRef>
+          <a:fillRef idx="0">
+            <a:schemeClr val="dk1"/>
+          </a:fillRef>
+          <a:effectRef idx="0">
+            <a:schemeClr val="dk1"/>
+          </a:effectRef>
+          <a:fontRef idx="minor">
+            <a:schemeClr val="tx1"/>
+          </a:fontRef>
+        </p:style>
+      </p:cxnSp>
+      <p:cxnSp>
+        <p:nvCxnSpPr>
+          <p:cNvPr id="15" name="Conector: angular 14">
+            <a:extLst>
+              <a:ext uri="{FF2B5EF4-FFF2-40B4-BE49-F238E27FC236}">
+                <a16:creationId xmlns:a16="http://schemas.microsoft.com/office/drawing/2014/main" id="{B0B0893D-EB22-401E-AC97-DD70FDEBDE3E}"/>
+              </a:ext>
+            </a:extLst>
+          </p:cNvPr>
+          <p:cNvCxnSpPr>
+            <a:stCxn id="105" idx="6"/>
+            <a:endCxn id="118" idx="2"/>
+          </p:cNvCxnSpPr>
+          <p:nvPr/>
+        </p:nvCxnSpPr>
+        <p:spPr>
+          <a:xfrm>
+            <a:off x="777805" y="4908924"/>
+            <a:ext cx="844420" cy="1165316"/>
+          </a:xfrm>
+          <a:prstGeom prst="bentConnector3">
+            <a:avLst>
+              <a:gd name="adj1" fmla="val 56308"/>
             </a:avLst>
           </a:prstGeom>
           <a:ln>
